--- a/Projeto OCB.pptx
+++ b/Projeto OCB.pptx
@@ -5,13 +5,14 @@
     <p:sldMasterId id="2147483648" r:id="rId1"/>
   </p:sldMasterIdLst>
   <p:notesMasterIdLst>
-    <p:notesMasterId r:id="rId3"/>
+    <p:notesMasterId r:id="rId4"/>
   </p:notesMasterIdLst>
   <p:handoutMasterIdLst>
-    <p:handoutMasterId r:id="rId4"/>
+    <p:handoutMasterId r:id="rId5"/>
   </p:handoutMasterIdLst>
   <p:sldIdLst>
     <p:sldId id="256" r:id="rId2"/>
+    <p:sldId id="257" r:id="rId3"/>
   </p:sldIdLst>
   <p:sldSz cx="12192000" cy="6858000"/>
   <p:notesSz cx="6888163" cy="10021888"/>
@@ -216,7 +217,7 @@
           <a:p>
             <a:fld id="{91AFFA16-DC11-4D0A-ABE0-1FE1CD60637A}" type="datetimeFigureOut">
               <a:rPr lang="pt-BR" smtClean="0"/>
-              <a:t>19/12/2017</a:t>
+              <a:t>12/01/2018</a:t>
             </a:fld>
             <a:endParaRPr lang="pt-BR"/>
           </a:p>
@@ -393,7 +394,7 @@
           <a:p>
             <a:fld id="{8E0528AF-606E-4DF9-A634-0FF4DE1DF9D3}" type="datetimeFigureOut">
               <a:rPr lang="pt-BR" smtClean="0"/>
-              <a:t>19/12/2017</a:t>
+              <a:t>12/01/2018</a:t>
             </a:fld>
             <a:endParaRPr lang="pt-BR"/>
           </a:p>
@@ -807,7 +808,7 @@
           <a:p>
             <a:fld id="{700D7C1E-D225-40A8-A9BB-F7CF69EC9CDA}" type="datetimeFigureOut">
               <a:rPr lang="pt-BR" smtClean="0"/>
-              <a:t>19/12/2017</a:t>
+              <a:t>12/01/2018</a:t>
             </a:fld>
             <a:endParaRPr lang="pt-BR"/>
           </a:p>
@@ -1005,7 +1006,7 @@
           <a:p>
             <a:fld id="{700D7C1E-D225-40A8-A9BB-F7CF69EC9CDA}" type="datetimeFigureOut">
               <a:rPr lang="pt-BR" smtClean="0"/>
-              <a:t>19/12/2017</a:t>
+              <a:t>12/01/2018</a:t>
             </a:fld>
             <a:endParaRPr lang="pt-BR"/>
           </a:p>
@@ -1213,7 +1214,7 @@
           <a:p>
             <a:fld id="{700D7C1E-D225-40A8-A9BB-F7CF69EC9CDA}" type="datetimeFigureOut">
               <a:rPr lang="pt-BR" smtClean="0"/>
-              <a:t>19/12/2017</a:t>
+              <a:t>12/01/2018</a:t>
             </a:fld>
             <a:endParaRPr lang="pt-BR"/>
           </a:p>
@@ -1411,7 +1412,7 @@
           <a:p>
             <a:fld id="{700D7C1E-D225-40A8-A9BB-F7CF69EC9CDA}" type="datetimeFigureOut">
               <a:rPr lang="pt-BR" smtClean="0"/>
-              <a:t>19/12/2017</a:t>
+              <a:t>12/01/2018</a:t>
             </a:fld>
             <a:endParaRPr lang="pt-BR"/>
           </a:p>
@@ -1686,7 +1687,7 @@
           <a:p>
             <a:fld id="{700D7C1E-D225-40A8-A9BB-F7CF69EC9CDA}" type="datetimeFigureOut">
               <a:rPr lang="pt-BR" smtClean="0"/>
-              <a:t>19/12/2017</a:t>
+              <a:t>12/01/2018</a:t>
             </a:fld>
             <a:endParaRPr lang="pt-BR"/>
           </a:p>
@@ -1951,7 +1952,7 @@
           <a:p>
             <a:fld id="{700D7C1E-D225-40A8-A9BB-F7CF69EC9CDA}" type="datetimeFigureOut">
               <a:rPr lang="pt-BR" smtClean="0"/>
-              <a:t>19/12/2017</a:t>
+              <a:t>12/01/2018</a:t>
             </a:fld>
             <a:endParaRPr lang="pt-BR"/>
           </a:p>
@@ -2363,7 +2364,7 @@
           <a:p>
             <a:fld id="{700D7C1E-D225-40A8-A9BB-F7CF69EC9CDA}" type="datetimeFigureOut">
               <a:rPr lang="pt-BR" smtClean="0"/>
-              <a:t>19/12/2017</a:t>
+              <a:t>12/01/2018</a:t>
             </a:fld>
             <a:endParaRPr lang="pt-BR"/>
           </a:p>
@@ -2504,7 +2505,7 @@
           <a:p>
             <a:fld id="{700D7C1E-D225-40A8-A9BB-F7CF69EC9CDA}" type="datetimeFigureOut">
               <a:rPr lang="pt-BR" smtClean="0"/>
-              <a:t>19/12/2017</a:t>
+              <a:t>12/01/2018</a:t>
             </a:fld>
             <a:endParaRPr lang="pt-BR"/>
           </a:p>
@@ -2617,7 +2618,7 @@
           <a:p>
             <a:fld id="{700D7C1E-D225-40A8-A9BB-F7CF69EC9CDA}" type="datetimeFigureOut">
               <a:rPr lang="pt-BR" smtClean="0"/>
-              <a:t>19/12/2017</a:t>
+              <a:t>12/01/2018</a:t>
             </a:fld>
             <a:endParaRPr lang="pt-BR"/>
           </a:p>
@@ -2928,7 +2929,7 @@
           <a:p>
             <a:fld id="{700D7C1E-D225-40A8-A9BB-F7CF69EC9CDA}" type="datetimeFigureOut">
               <a:rPr lang="pt-BR" smtClean="0"/>
-              <a:t>19/12/2017</a:t>
+              <a:t>12/01/2018</a:t>
             </a:fld>
             <a:endParaRPr lang="pt-BR"/>
           </a:p>
@@ -3216,7 +3217,7 @@
           <a:p>
             <a:fld id="{700D7C1E-D225-40A8-A9BB-F7CF69EC9CDA}" type="datetimeFigureOut">
               <a:rPr lang="pt-BR" smtClean="0"/>
-              <a:t>19/12/2017</a:t>
+              <a:t>12/01/2018</a:t>
             </a:fld>
             <a:endParaRPr lang="pt-BR"/>
           </a:p>
@@ -3457,7 +3458,7 @@
           <a:p>
             <a:fld id="{700D7C1E-D225-40A8-A9BB-F7CF69EC9CDA}" type="datetimeFigureOut">
               <a:rPr lang="pt-BR" smtClean="0"/>
-              <a:t>19/12/2017</a:t>
+              <a:t>12/01/2018</a:t>
             </a:fld>
             <a:endParaRPr lang="pt-BR"/>
           </a:p>
@@ -3889,12 +3890,16 @@
         <p:spPr>
           <a:xfrm>
             <a:off x="2553626" y="1777649"/>
-            <a:ext cx="6840000" cy="2160000"/>
+            <a:ext cx="6840000" cy="2340000"/>
           </a:xfrm>
           <a:prstGeom prst="rect">
             <a:avLst/>
           </a:prstGeom>
-          <a:noFill/>
+          <a:solidFill>
+            <a:schemeClr val="bg1">
+              <a:lumMod val="85000"/>
+            </a:schemeClr>
+          </a:solidFill>
         </p:spPr>
         <p:style>
           <a:lnRef idx="2">
@@ -4129,7 +4134,7 @@
         </p:nvSpPr>
         <p:spPr>
           <a:xfrm>
-            <a:off x="6821191" y="3625398"/>
+            <a:off x="6821191" y="3732078"/>
             <a:ext cx="2353465" cy="338554"/>
           </a:xfrm>
           <a:prstGeom prst="rect">
@@ -4203,7 +4208,7 @@
         </p:nvCxnSpPr>
         <p:spPr>
           <a:xfrm>
-            <a:off x="2827936" y="3647699"/>
+            <a:off x="2827936" y="3754379"/>
             <a:ext cx="6230956" cy="0"/>
           </a:xfrm>
           <a:prstGeom prst="line">
@@ -5121,6 +5126,1754 @@
     <p:extLst>
       <p:ext uri="{BB962C8B-B14F-4D97-AF65-F5344CB8AC3E}">
         <p14:creationId xmlns:p14="http://schemas.microsoft.com/office/powerpoint/2010/main" val="2226076549"/>
+      </p:ext>
+    </p:extLst>
+  </p:cSld>
+  <p:clrMapOvr>
+    <a:masterClrMapping/>
+  </p:clrMapOvr>
+</p:sld>
+</file>
+
+<file path=ppt/slides/slide2.xml><?xml version="1.0" encoding="utf-8"?>
+<p:sld xmlns:a="http://schemas.openxmlformats.org/drawingml/2006/main" xmlns:r="http://schemas.openxmlformats.org/officeDocument/2006/relationships" xmlns:p="http://schemas.openxmlformats.org/presentationml/2006/main">
+  <p:cSld>
+    <p:spTree>
+      <p:nvGrpSpPr>
+        <p:cNvPr id="1" name=""/>
+        <p:cNvGrpSpPr/>
+        <p:nvPr/>
+      </p:nvGrpSpPr>
+      <p:grpSpPr>
+        <a:xfrm>
+          <a:off x="0" y="0"/>
+          <a:ext cx="0" cy="0"/>
+          <a:chOff x="0" y="0"/>
+          <a:chExt cx="0" cy="0"/>
+        </a:xfrm>
+      </p:grpSpPr>
+      <p:sp>
+        <p:nvSpPr>
+          <p:cNvPr id="4" name="Retângulo 3">
+            <a:extLst>
+              <a:ext uri="{FF2B5EF4-FFF2-40B4-BE49-F238E27FC236}">
+                <a16:creationId xmlns:a16="http://schemas.microsoft.com/office/drawing/2014/main" id="{23744903-B3AC-49C9-89B2-CDCED231A264}"/>
+              </a:ext>
+            </a:extLst>
+          </p:cNvPr>
+          <p:cNvSpPr/>
+          <p:nvPr/>
+        </p:nvSpPr>
+        <p:spPr>
+          <a:xfrm>
+            <a:off x="2542424" y="1764884"/>
+            <a:ext cx="6840000" cy="2340000"/>
+          </a:xfrm>
+          <a:prstGeom prst="rect">
+            <a:avLst/>
+          </a:prstGeom>
+          <a:solidFill>
+            <a:schemeClr val="bg1">
+              <a:lumMod val="85000"/>
+            </a:schemeClr>
+          </a:solidFill>
+        </p:spPr>
+        <p:style>
+          <a:lnRef idx="2">
+            <a:schemeClr val="accent1">
+              <a:shade val="50000"/>
+            </a:schemeClr>
+          </a:lnRef>
+          <a:fillRef idx="1">
+            <a:schemeClr val="accent1"/>
+          </a:fillRef>
+          <a:effectRef idx="0">
+            <a:schemeClr val="accent1"/>
+          </a:effectRef>
+          <a:fontRef idx="minor">
+            <a:schemeClr val="lt1"/>
+          </a:fontRef>
+        </p:style>
+        <p:txBody>
+          <a:bodyPr rtlCol="0" anchor="ctr"/>
+          <a:lstStyle/>
+          <a:p>
+            <a:pPr algn="ctr"/>
+            <a:endParaRPr lang="pt-BR" dirty="0"/>
+          </a:p>
+        </p:txBody>
+      </p:sp>
+      <p:sp>
+        <p:nvSpPr>
+          <p:cNvPr id="5" name="Retângulo 4">
+            <a:extLst>
+              <a:ext uri="{FF2B5EF4-FFF2-40B4-BE49-F238E27FC236}">
+                <a16:creationId xmlns:a16="http://schemas.microsoft.com/office/drawing/2014/main" id="{13993C4A-EF1F-48E6-8FB0-AE6D821AEF04}"/>
+              </a:ext>
+            </a:extLst>
+          </p:cNvPr>
+          <p:cNvSpPr/>
+          <p:nvPr/>
+        </p:nvSpPr>
+        <p:spPr>
+          <a:xfrm>
+            <a:off x="5086367" y="1962963"/>
+            <a:ext cx="1800000" cy="1368000"/>
+          </a:xfrm>
+          <a:prstGeom prst="rect">
+            <a:avLst/>
+          </a:prstGeom>
+          <a:solidFill>
+            <a:schemeClr val="tx1"/>
+          </a:solidFill>
+        </p:spPr>
+        <p:style>
+          <a:lnRef idx="2">
+            <a:schemeClr val="accent1">
+              <a:shade val="50000"/>
+            </a:schemeClr>
+          </a:lnRef>
+          <a:fillRef idx="1">
+            <a:schemeClr val="accent1"/>
+          </a:fillRef>
+          <a:effectRef idx="0">
+            <a:schemeClr val="accent1"/>
+          </a:effectRef>
+          <a:fontRef idx="minor">
+            <a:schemeClr val="lt1"/>
+          </a:fontRef>
+        </p:style>
+        <p:txBody>
+          <a:bodyPr rtlCol="0" anchor="ctr"/>
+          <a:lstStyle/>
+          <a:p>
+            <a:pPr algn="ctr"/>
+            <a:endParaRPr lang="pt-BR"/>
+          </a:p>
+        </p:txBody>
+      </p:sp>
+      <p:sp>
+        <p:nvSpPr>
+          <p:cNvPr id="6" name="Elipse 5">
+            <a:extLst>
+              <a:ext uri="{FF2B5EF4-FFF2-40B4-BE49-F238E27FC236}">
+                <a16:creationId xmlns:a16="http://schemas.microsoft.com/office/drawing/2014/main" id="{B1AB89E2-08B8-4C04-9CEB-2793BB08905A}"/>
+              </a:ext>
+            </a:extLst>
+          </p:cNvPr>
+          <p:cNvSpPr/>
+          <p:nvPr/>
+        </p:nvSpPr>
+        <p:spPr>
+          <a:xfrm>
+            <a:off x="3306305" y="2571458"/>
+            <a:ext cx="288000" cy="288000"/>
+          </a:xfrm>
+          <a:prstGeom prst="ellipse">
+            <a:avLst/>
+          </a:prstGeom>
+          <a:solidFill>
+            <a:schemeClr val="tx1"/>
+          </a:solidFill>
+        </p:spPr>
+        <p:style>
+          <a:lnRef idx="2">
+            <a:schemeClr val="accent1">
+              <a:shade val="50000"/>
+            </a:schemeClr>
+          </a:lnRef>
+          <a:fillRef idx="1">
+            <a:schemeClr val="accent1"/>
+          </a:fillRef>
+          <a:effectRef idx="0">
+            <a:schemeClr val="accent1"/>
+          </a:effectRef>
+          <a:fontRef idx="minor">
+            <a:schemeClr val="lt1"/>
+          </a:fontRef>
+        </p:style>
+        <p:txBody>
+          <a:bodyPr rtlCol="0" anchor="ctr"/>
+          <a:lstStyle/>
+          <a:p>
+            <a:pPr algn="ctr"/>
+            <a:endParaRPr lang="pt-BR"/>
+          </a:p>
+        </p:txBody>
+      </p:sp>
+      <p:sp>
+        <p:nvSpPr>
+          <p:cNvPr id="15" name="Elipse 14">
+            <a:extLst>
+              <a:ext uri="{FF2B5EF4-FFF2-40B4-BE49-F238E27FC236}">
+                <a16:creationId xmlns:a16="http://schemas.microsoft.com/office/drawing/2014/main" id="{FAC1E77C-132A-4E14-9474-ADC4C46D2055}"/>
+              </a:ext>
+            </a:extLst>
+          </p:cNvPr>
+          <p:cNvSpPr/>
+          <p:nvPr/>
+        </p:nvSpPr>
+        <p:spPr>
+          <a:xfrm>
+            <a:off x="3090305" y="2355458"/>
+            <a:ext cx="720000" cy="720000"/>
+          </a:xfrm>
+          <a:prstGeom prst="ellipse">
+            <a:avLst/>
+          </a:prstGeom>
+          <a:noFill/>
+        </p:spPr>
+        <p:style>
+          <a:lnRef idx="2">
+            <a:schemeClr val="accent1">
+              <a:shade val="50000"/>
+            </a:schemeClr>
+          </a:lnRef>
+          <a:fillRef idx="1">
+            <a:schemeClr val="accent1"/>
+          </a:fillRef>
+          <a:effectRef idx="0">
+            <a:schemeClr val="accent1"/>
+          </a:effectRef>
+          <a:fontRef idx="minor">
+            <a:schemeClr val="lt1"/>
+          </a:fontRef>
+        </p:style>
+        <p:txBody>
+          <a:bodyPr rtlCol="0" anchor="ctr"/>
+          <a:lstStyle/>
+          <a:p>
+            <a:pPr algn="ctr"/>
+            <a:endParaRPr lang="pt-BR"/>
+          </a:p>
+        </p:txBody>
+      </p:sp>
+      <p:sp>
+        <p:nvSpPr>
+          <p:cNvPr id="16" name="CaixaDeTexto 15">
+            <a:extLst>
+              <a:ext uri="{FF2B5EF4-FFF2-40B4-BE49-F238E27FC236}">
+                <a16:creationId xmlns:a16="http://schemas.microsoft.com/office/drawing/2014/main" id="{6257EC5B-EE6F-4711-A287-E46FA7F4B088}"/>
+              </a:ext>
+            </a:extLst>
+          </p:cNvPr>
+          <p:cNvSpPr txBox="1"/>
+          <p:nvPr/>
+        </p:nvSpPr>
+        <p:spPr>
+          <a:xfrm>
+            <a:off x="7524588" y="3651893"/>
+            <a:ext cx="1672253" cy="261610"/>
+          </a:xfrm>
+          <a:prstGeom prst="rect">
+            <a:avLst/>
+          </a:prstGeom>
+          <a:noFill/>
+        </p:spPr>
+        <p:txBody>
+          <a:bodyPr wrap="none" rtlCol="0">
+            <a:spAutoFit/>
+          </a:bodyPr>
+          <a:lstStyle/>
+          <a:p>
+            <a:r>
+              <a:rPr lang="pt-BR" sz="1100" i="1" dirty="0" err="1"/>
+              <a:t>Onboard</a:t>
+            </a:r>
+            <a:r>
+              <a:rPr lang="pt-BR" sz="1100" i="1" dirty="0"/>
+              <a:t> Computer </a:t>
+            </a:r>
+            <a:r>
+              <a:rPr lang="pt-BR" sz="1100" i="1" dirty="0" err="1"/>
+              <a:t>Beetle</a:t>
+            </a:r>
+            <a:endParaRPr lang="pt-BR" sz="1100" i="1" dirty="0"/>
+          </a:p>
+        </p:txBody>
+      </p:sp>
+      <p:cxnSp>
+        <p:nvCxnSpPr>
+          <p:cNvPr id="18" name="Conector reto 17">
+            <a:extLst>
+              <a:ext uri="{FF2B5EF4-FFF2-40B4-BE49-F238E27FC236}">
+                <a16:creationId xmlns:a16="http://schemas.microsoft.com/office/drawing/2014/main" id="{C7446935-E44E-461F-B104-D19AE7280D8F}"/>
+              </a:ext>
+            </a:extLst>
+          </p:cNvPr>
+          <p:cNvCxnSpPr>
+            <a:cxnSpLocks/>
+          </p:cNvCxnSpPr>
+          <p:nvPr/>
+        </p:nvCxnSpPr>
+        <p:spPr>
+          <a:xfrm>
+            <a:off x="2858148" y="3867546"/>
+            <a:ext cx="6230956" cy="0"/>
+          </a:xfrm>
+          <a:prstGeom prst="line">
+            <a:avLst/>
+          </a:prstGeom>
+          <a:ln w="41275" cmpd="thickThin">
+            <a:solidFill>
+              <a:schemeClr val="bg1">
+                <a:lumMod val="50000"/>
+              </a:schemeClr>
+            </a:solidFill>
+          </a:ln>
+        </p:spPr>
+        <p:style>
+          <a:lnRef idx="1">
+            <a:schemeClr val="accent1"/>
+          </a:lnRef>
+          <a:fillRef idx="0">
+            <a:schemeClr val="accent1"/>
+          </a:fillRef>
+          <a:effectRef idx="0">
+            <a:schemeClr val="accent1"/>
+          </a:effectRef>
+          <a:fontRef idx="minor">
+            <a:schemeClr val="tx1"/>
+          </a:fontRef>
+        </p:style>
+      </p:cxnSp>
+      <p:grpSp>
+        <p:nvGrpSpPr>
+          <p:cNvPr id="1044" name="Agrupar 1043">
+            <a:extLst>
+              <a:ext uri="{FF2B5EF4-FFF2-40B4-BE49-F238E27FC236}">
+                <a16:creationId xmlns:a16="http://schemas.microsoft.com/office/drawing/2014/main" id="{78979E6F-9974-4CFB-AA97-8E856471D617}"/>
+              </a:ext>
+            </a:extLst>
+          </p:cNvPr>
+          <p:cNvGrpSpPr/>
+          <p:nvPr/>
+        </p:nvGrpSpPr>
+        <p:grpSpPr>
+          <a:xfrm>
+            <a:off x="4366080" y="2362422"/>
+            <a:ext cx="253440" cy="252957"/>
+            <a:chOff x="4478384" y="1960395"/>
+            <a:chExt cx="253440" cy="252957"/>
+          </a:xfrm>
+        </p:grpSpPr>
+        <p:sp>
+          <p:nvSpPr>
+            <p:cNvPr id="8" name="Elipse 7">
+              <a:extLst>
+                <a:ext uri="{FF2B5EF4-FFF2-40B4-BE49-F238E27FC236}">
+                  <a16:creationId xmlns:a16="http://schemas.microsoft.com/office/drawing/2014/main" id="{10BEC52C-6F05-4C99-9ABE-F440D6B1866D}"/>
+                </a:ext>
+              </a:extLst>
+            </p:cNvPr>
+            <p:cNvSpPr/>
+            <p:nvPr/>
+          </p:nvSpPr>
+          <p:spPr>
+            <a:xfrm>
+              <a:off x="4478384" y="1960395"/>
+              <a:ext cx="253440" cy="252957"/>
+            </a:xfrm>
+            <a:prstGeom prst="ellipse">
+              <a:avLst/>
+            </a:prstGeom>
+            <a:solidFill>
+              <a:schemeClr val="tx1"/>
+            </a:solidFill>
+            <a:ln>
+              <a:solidFill>
+                <a:schemeClr val="bg1">
+                  <a:lumMod val="50000"/>
+                </a:schemeClr>
+              </a:solidFill>
+            </a:ln>
+          </p:spPr>
+          <p:style>
+            <a:lnRef idx="2">
+              <a:schemeClr val="accent1">
+                <a:shade val="50000"/>
+              </a:schemeClr>
+            </a:lnRef>
+            <a:fillRef idx="1">
+              <a:schemeClr val="accent1"/>
+            </a:fillRef>
+            <a:effectRef idx="0">
+              <a:schemeClr val="accent1"/>
+            </a:effectRef>
+            <a:fontRef idx="minor">
+              <a:schemeClr val="lt1"/>
+            </a:fontRef>
+          </p:style>
+          <p:txBody>
+            <a:bodyPr rtlCol="0" anchor="ctr"/>
+            <a:lstStyle/>
+            <a:p>
+              <a:pPr algn="ctr"/>
+              <a:endParaRPr lang="pt-BR"/>
+            </a:p>
+          </p:txBody>
+        </p:sp>
+        <p:pic>
+          <p:nvPicPr>
+            <p:cNvPr id="1040" name="Picture 16" descr="Resultado de imagem para mode icon">
+              <a:extLst>
+                <a:ext uri="{FF2B5EF4-FFF2-40B4-BE49-F238E27FC236}">
+                  <a16:creationId xmlns:a16="http://schemas.microsoft.com/office/drawing/2014/main" id="{A44112B1-1433-46B0-9EC3-54410953A17D}"/>
+                </a:ext>
+              </a:extLst>
+            </p:cNvPr>
+            <p:cNvPicPr>
+              <a:picLocks noChangeAspect="1" noChangeArrowheads="1"/>
+            </p:cNvPicPr>
+            <p:nvPr/>
+          </p:nvPicPr>
+          <p:blipFill rotWithShape="1">
+            <a:blip r:embed="rId2">
+              <a:extLst>
+                <a:ext uri="{28A0092B-C50C-407E-A947-70E740481C1C}">
+                  <a14:useLocalDpi xmlns:a14="http://schemas.microsoft.com/office/drawing/2010/main" val="0"/>
+                </a:ext>
+              </a:extLst>
+            </a:blip>
+            <a:srcRect l="12239" t="25310" r="14475" b="34290"/>
+            <a:stretch/>
+          </p:blipFill>
+          <p:spPr bwMode="auto">
+            <a:xfrm>
+              <a:off x="4514019" y="2024621"/>
+              <a:ext cx="185738" cy="102392"/>
+            </a:xfrm>
+            <a:prstGeom prst="rect">
+              <a:avLst/>
+            </a:prstGeom>
+            <a:noFill/>
+            <a:extLst>
+              <a:ext uri="{909E8E84-426E-40DD-AFC4-6F175D3DCCD1}">
+                <a14:hiddenFill xmlns:a14="http://schemas.microsoft.com/office/drawing/2010/main">
+                  <a:solidFill>
+                    <a:srgbClr val="FFFFFF"/>
+                  </a:solidFill>
+                </a14:hiddenFill>
+              </a:ext>
+            </a:extLst>
+          </p:spPr>
+        </p:pic>
+      </p:grpSp>
+      <p:cxnSp>
+        <p:nvCxnSpPr>
+          <p:cNvPr id="1031" name="Conector reto 1030">
+            <a:extLst>
+              <a:ext uri="{FF2B5EF4-FFF2-40B4-BE49-F238E27FC236}">
+                <a16:creationId xmlns:a16="http://schemas.microsoft.com/office/drawing/2014/main" id="{7354F7CB-3A92-4B5D-8107-834E5CCC4E9A}"/>
+              </a:ext>
+            </a:extLst>
+          </p:cNvPr>
+          <p:cNvCxnSpPr>
+            <a:stCxn id="6" idx="0"/>
+            <a:endCxn id="15" idx="0"/>
+          </p:cNvCxnSpPr>
+          <p:nvPr/>
+        </p:nvCxnSpPr>
+        <p:spPr>
+          <a:xfrm flipV="1">
+            <a:off x="3450305" y="2355458"/>
+            <a:ext cx="0" cy="216000"/>
+          </a:xfrm>
+          <a:prstGeom prst="line">
+            <a:avLst/>
+          </a:prstGeom>
+          <a:ln w="28575"/>
+        </p:spPr>
+        <p:style>
+          <a:lnRef idx="1">
+            <a:schemeClr val="accent1"/>
+          </a:lnRef>
+          <a:fillRef idx="0">
+            <a:schemeClr val="accent1"/>
+          </a:fillRef>
+          <a:effectRef idx="0">
+            <a:schemeClr val="accent1"/>
+          </a:effectRef>
+          <a:fontRef idx="minor">
+            <a:schemeClr val="tx1"/>
+          </a:fontRef>
+        </p:style>
+      </p:cxnSp>
+      <p:sp>
+        <p:nvSpPr>
+          <p:cNvPr id="28" name="Elipse 27">
+            <a:extLst>
+              <a:ext uri="{FF2B5EF4-FFF2-40B4-BE49-F238E27FC236}">
+                <a16:creationId xmlns:a16="http://schemas.microsoft.com/office/drawing/2014/main" id="{99CDB2F5-E3D0-4303-B29A-9E7DD6EC994C}"/>
+              </a:ext>
+            </a:extLst>
+          </p:cNvPr>
+          <p:cNvSpPr/>
+          <p:nvPr/>
+        </p:nvSpPr>
+        <p:spPr>
+          <a:xfrm>
+            <a:off x="8471713" y="2571992"/>
+            <a:ext cx="288000" cy="288000"/>
+          </a:xfrm>
+          <a:prstGeom prst="ellipse">
+            <a:avLst/>
+          </a:prstGeom>
+          <a:solidFill>
+            <a:schemeClr val="tx1"/>
+          </a:solidFill>
+        </p:spPr>
+        <p:style>
+          <a:lnRef idx="2">
+            <a:schemeClr val="accent1">
+              <a:shade val="50000"/>
+            </a:schemeClr>
+          </a:lnRef>
+          <a:fillRef idx="1">
+            <a:schemeClr val="accent1"/>
+          </a:fillRef>
+          <a:effectRef idx="0">
+            <a:schemeClr val="accent1"/>
+          </a:effectRef>
+          <a:fontRef idx="minor">
+            <a:schemeClr val="lt1"/>
+          </a:fontRef>
+        </p:style>
+        <p:txBody>
+          <a:bodyPr rtlCol="0" anchor="ctr"/>
+          <a:lstStyle/>
+          <a:p>
+            <a:pPr algn="ctr"/>
+            <a:endParaRPr lang="pt-BR"/>
+          </a:p>
+        </p:txBody>
+      </p:sp>
+      <p:sp>
+        <p:nvSpPr>
+          <p:cNvPr id="29" name="Elipse 28">
+            <a:extLst>
+              <a:ext uri="{FF2B5EF4-FFF2-40B4-BE49-F238E27FC236}">
+                <a16:creationId xmlns:a16="http://schemas.microsoft.com/office/drawing/2014/main" id="{7DBA4801-86BC-4A98-8C3B-229DE8D0469D}"/>
+              </a:ext>
+            </a:extLst>
+          </p:cNvPr>
+          <p:cNvSpPr/>
+          <p:nvPr/>
+        </p:nvSpPr>
+        <p:spPr>
+          <a:xfrm>
+            <a:off x="8255713" y="2355992"/>
+            <a:ext cx="720000" cy="720000"/>
+          </a:xfrm>
+          <a:prstGeom prst="ellipse">
+            <a:avLst/>
+          </a:prstGeom>
+          <a:noFill/>
+        </p:spPr>
+        <p:style>
+          <a:lnRef idx="2">
+            <a:schemeClr val="accent1">
+              <a:shade val="50000"/>
+            </a:schemeClr>
+          </a:lnRef>
+          <a:fillRef idx="1">
+            <a:schemeClr val="accent1"/>
+          </a:fillRef>
+          <a:effectRef idx="0">
+            <a:schemeClr val="accent1"/>
+          </a:effectRef>
+          <a:fontRef idx="minor">
+            <a:schemeClr val="lt1"/>
+          </a:fontRef>
+        </p:style>
+        <p:txBody>
+          <a:bodyPr rtlCol="0" anchor="ctr"/>
+          <a:lstStyle/>
+          <a:p>
+            <a:pPr algn="ctr"/>
+            <a:endParaRPr lang="pt-BR"/>
+          </a:p>
+        </p:txBody>
+      </p:sp>
+      <p:sp>
+        <p:nvSpPr>
+          <p:cNvPr id="35" name="Retângulo 34">
+            <a:extLst>
+              <a:ext uri="{FF2B5EF4-FFF2-40B4-BE49-F238E27FC236}">
+                <a16:creationId xmlns:a16="http://schemas.microsoft.com/office/drawing/2014/main" id="{49543AE7-416A-42E2-98A5-5E71B7D44089}"/>
+              </a:ext>
+            </a:extLst>
+          </p:cNvPr>
+          <p:cNvSpPr/>
+          <p:nvPr/>
+        </p:nvSpPr>
+        <p:spPr>
+          <a:xfrm>
+            <a:off x="7445756" y="2950249"/>
+            <a:ext cx="468000" cy="216000"/>
+          </a:xfrm>
+          <a:prstGeom prst="rect">
+            <a:avLst/>
+          </a:prstGeom>
+          <a:solidFill>
+            <a:schemeClr val="tx1"/>
+          </a:solidFill>
+        </p:spPr>
+        <p:style>
+          <a:lnRef idx="2">
+            <a:schemeClr val="accent1">
+              <a:shade val="50000"/>
+            </a:schemeClr>
+          </a:lnRef>
+          <a:fillRef idx="1">
+            <a:schemeClr val="accent1"/>
+          </a:fillRef>
+          <a:effectRef idx="0">
+            <a:schemeClr val="accent1"/>
+          </a:effectRef>
+          <a:fontRef idx="minor">
+            <a:schemeClr val="lt1"/>
+          </a:fontRef>
+        </p:style>
+        <p:txBody>
+          <a:bodyPr rtlCol="0" anchor="ctr"/>
+          <a:lstStyle/>
+          <a:p>
+            <a:pPr algn="ctr"/>
+            <a:endParaRPr lang="pt-BR"/>
+          </a:p>
+        </p:txBody>
+      </p:sp>
+      <p:sp>
+        <p:nvSpPr>
+          <p:cNvPr id="36" name="Retângulo 35">
+            <a:extLst>
+              <a:ext uri="{FF2B5EF4-FFF2-40B4-BE49-F238E27FC236}">
+                <a16:creationId xmlns:a16="http://schemas.microsoft.com/office/drawing/2014/main" id="{4654F261-BC46-4F9D-82A7-1774DA32C1D6}"/>
+              </a:ext>
+            </a:extLst>
+          </p:cNvPr>
+          <p:cNvSpPr/>
+          <p:nvPr/>
+        </p:nvSpPr>
+        <p:spPr>
+          <a:xfrm>
+            <a:off x="7481756" y="2595411"/>
+            <a:ext cx="396000" cy="54000"/>
+          </a:xfrm>
+          <a:prstGeom prst="rect">
+            <a:avLst/>
+          </a:prstGeom>
+          <a:solidFill>
+            <a:schemeClr val="tx1"/>
+          </a:solidFill>
+        </p:spPr>
+        <p:style>
+          <a:lnRef idx="2">
+            <a:schemeClr val="accent1">
+              <a:shade val="50000"/>
+            </a:schemeClr>
+          </a:lnRef>
+          <a:fillRef idx="1">
+            <a:schemeClr val="accent1"/>
+          </a:fillRef>
+          <a:effectRef idx="0">
+            <a:schemeClr val="accent1"/>
+          </a:effectRef>
+          <a:fontRef idx="minor">
+            <a:schemeClr val="lt1"/>
+          </a:fontRef>
+        </p:style>
+        <p:txBody>
+          <a:bodyPr rtlCol="0" anchor="ctr"/>
+          <a:lstStyle/>
+          <a:p>
+            <a:pPr algn="ctr"/>
+            <a:endParaRPr lang="pt-BR"/>
+          </a:p>
+        </p:txBody>
+      </p:sp>
+      <p:sp>
+        <p:nvSpPr>
+          <p:cNvPr id="37" name="Elipse 36">
+            <a:extLst>
+              <a:ext uri="{FF2B5EF4-FFF2-40B4-BE49-F238E27FC236}">
+                <a16:creationId xmlns:a16="http://schemas.microsoft.com/office/drawing/2014/main" id="{34B4FF01-54BC-4D61-A367-5981B6DCC12E}"/>
+              </a:ext>
+            </a:extLst>
+          </p:cNvPr>
+          <p:cNvSpPr/>
+          <p:nvPr/>
+        </p:nvSpPr>
+        <p:spPr>
+          <a:xfrm>
+            <a:off x="7589756" y="2043480"/>
+            <a:ext cx="180000" cy="180000"/>
+          </a:xfrm>
+          <a:prstGeom prst="ellipse">
+            <a:avLst/>
+          </a:prstGeom>
+          <a:solidFill>
+            <a:schemeClr val="tx1"/>
+          </a:solidFill>
+        </p:spPr>
+        <p:style>
+          <a:lnRef idx="2">
+            <a:schemeClr val="accent1">
+              <a:shade val="50000"/>
+            </a:schemeClr>
+          </a:lnRef>
+          <a:fillRef idx="1">
+            <a:schemeClr val="accent1"/>
+          </a:fillRef>
+          <a:effectRef idx="0">
+            <a:schemeClr val="accent1"/>
+          </a:effectRef>
+          <a:fontRef idx="minor">
+            <a:schemeClr val="lt1"/>
+          </a:fontRef>
+        </p:style>
+        <p:txBody>
+          <a:bodyPr rtlCol="0" anchor="ctr"/>
+          <a:lstStyle/>
+          <a:p>
+            <a:pPr algn="ctr"/>
+            <a:endParaRPr lang="pt-BR"/>
+          </a:p>
+        </p:txBody>
+      </p:sp>
+      <p:pic>
+        <p:nvPicPr>
+          <p:cNvPr id="38" name="Picture 2" descr="Imagem relacionada">
+            <a:extLst>
+              <a:ext uri="{FF2B5EF4-FFF2-40B4-BE49-F238E27FC236}">
+                <a16:creationId xmlns:a16="http://schemas.microsoft.com/office/drawing/2014/main" id="{4DE3BFD0-0EEA-4B8E-805A-662EDFB8EDE0}"/>
+              </a:ext>
+            </a:extLst>
+          </p:cNvPr>
+          <p:cNvPicPr>
+            <a:picLocks noChangeAspect="1" noChangeArrowheads="1"/>
+          </p:cNvPicPr>
+          <p:nvPr/>
+        </p:nvPicPr>
+        <p:blipFill rotWithShape="1">
+          <a:blip r:embed="rId3">
+            <a:extLst>
+              <a:ext uri="{28A0092B-C50C-407E-A947-70E740481C1C}">
+                <a14:useLocalDpi xmlns:a14="http://schemas.microsoft.com/office/drawing/2010/main" val="0"/>
+              </a:ext>
+            </a:extLst>
+          </a:blip>
+          <a:srcRect t="20965" r="-6055" b="21029"/>
+          <a:stretch/>
+        </p:blipFill>
+        <p:spPr bwMode="auto">
+          <a:xfrm>
+            <a:off x="7528963" y="3179326"/>
+            <a:ext cx="301586" cy="174939"/>
+          </a:xfrm>
+          <a:prstGeom prst="rect">
+            <a:avLst/>
+          </a:prstGeom>
+          <a:noFill/>
+          <a:extLst>
+            <a:ext uri="{909E8E84-426E-40DD-AFC4-6F175D3DCCD1}">
+              <a14:hiddenFill xmlns:a14="http://schemas.microsoft.com/office/drawing/2010/main">
+                <a:solidFill>
+                  <a:srgbClr val="FFFFFF"/>
+                </a:solidFill>
+              </a14:hiddenFill>
+            </a:ext>
+          </a:extLst>
+        </p:spPr>
+      </p:pic>
+      <p:pic>
+        <p:nvPicPr>
+          <p:cNvPr id="39" name="Picture 4" descr="Resultado de imagem para sd">
+            <a:extLst>
+              <a:ext uri="{FF2B5EF4-FFF2-40B4-BE49-F238E27FC236}">
+                <a16:creationId xmlns:a16="http://schemas.microsoft.com/office/drawing/2014/main" id="{EC9BECD8-2C92-49AB-824B-B78C21D811F0}"/>
+              </a:ext>
+            </a:extLst>
+          </p:cNvPr>
+          <p:cNvPicPr>
+            <a:picLocks noChangeAspect="1" noChangeArrowheads="1"/>
+          </p:cNvPicPr>
+          <p:nvPr/>
+        </p:nvPicPr>
+        <p:blipFill>
+          <a:blip r:embed="rId4">
+            <a:extLst>
+              <a:ext uri="{28A0092B-C50C-407E-A947-70E740481C1C}">
+                <a14:useLocalDpi xmlns:a14="http://schemas.microsoft.com/office/drawing/2010/main" val="0"/>
+              </a:ext>
+            </a:extLst>
+          </a:blip>
+          <a:srcRect/>
+          <a:stretch>
+            <a:fillRect/>
+          </a:stretch>
+        </p:blipFill>
+        <p:spPr bwMode="auto">
+          <a:xfrm>
+            <a:off x="7543300" y="2716382"/>
+            <a:ext cx="272912" cy="90061"/>
+          </a:xfrm>
+          <a:prstGeom prst="rect">
+            <a:avLst/>
+          </a:prstGeom>
+          <a:noFill/>
+          <a:extLst>
+            <a:ext uri="{909E8E84-426E-40DD-AFC4-6F175D3DCCD1}">
+              <a14:hiddenFill xmlns:a14="http://schemas.microsoft.com/office/drawing/2010/main">
+                <a:solidFill>
+                  <a:srgbClr val="FFFFFF"/>
+                </a:solidFill>
+              </a14:hiddenFill>
+            </a:ext>
+          </a:extLst>
+        </p:spPr>
+      </p:pic>
+      <p:sp>
+        <p:nvSpPr>
+          <p:cNvPr id="45" name="Retângulo 44">
+            <a:extLst>
+              <a:ext uri="{FF2B5EF4-FFF2-40B4-BE49-F238E27FC236}">
+                <a16:creationId xmlns:a16="http://schemas.microsoft.com/office/drawing/2014/main" id="{9AEB5A2C-7236-4BFF-A7CA-4004755F8112}"/>
+              </a:ext>
+            </a:extLst>
+          </p:cNvPr>
+          <p:cNvSpPr/>
+          <p:nvPr/>
+        </p:nvSpPr>
+        <p:spPr>
+          <a:xfrm>
+            <a:off x="8242414" y="3057377"/>
+            <a:ext cx="723585" cy="340306"/>
+          </a:xfrm>
+          <a:prstGeom prst="rect">
+            <a:avLst/>
+          </a:prstGeom>
+          <a:noFill/>
+          <a:ln>
+            <a:noFill/>
+          </a:ln>
+        </p:spPr>
+        <p:style>
+          <a:lnRef idx="2">
+            <a:schemeClr val="accent1">
+              <a:shade val="50000"/>
+            </a:schemeClr>
+          </a:lnRef>
+          <a:fillRef idx="1">
+            <a:schemeClr val="accent1"/>
+          </a:fillRef>
+          <a:effectRef idx="0">
+            <a:schemeClr val="accent1"/>
+          </a:effectRef>
+          <a:fontRef idx="minor">
+            <a:schemeClr val="lt1"/>
+          </a:fontRef>
+        </p:style>
+        <p:txBody>
+          <a:bodyPr rtlCol="0" anchor="ctr"/>
+          <a:lstStyle/>
+          <a:p>
+            <a:pPr algn="ctr"/>
+            <a:r>
+              <a:rPr lang="pt-BR" sz="1050" b="1" dirty="0" err="1">
+                <a:solidFill>
+                  <a:schemeClr val="tx1"/>
+                </a:solidFill>
+                <a:effectLst>
+                  <a:outerShdw blurRad="38100" dist="38100" dir="2700000" algn="tl">
+                    <a:srgbClr val="000000">
+                      <a:alpha val="43137"/>
+                    </a:srgbClr>
+                  </a:outerShdw>
+                </a:effectLst>
+              </a:rPr>
+              <a:t>Channel</a:t>
+            </a:r>
+            <a:endParaRPr lang="pt-BR" sz="1050" b="1" dirty="0">
+              <a:solidFill>
+                <a:schemeClr val="tx1"/>
+              </a:solidFill>
+              <a:effectLst>
+                <a:outerShdw blurRad="38100" dist="38100" dir="2700000" algn="tl">
+                  <a:srgbClr val="000000">
+                    <a:alpha val="43137"/>
+                  </a:srgbClr>
+                </a:outerShdw>
+              </a:effectLst>
+            </a:endParaRPr>
+          </a:p>
+        </p:txBody>
+      </p:sp>
+      <p:pic>
+        <p:nvPicPr>
+          <p:cNvPr id="14" name="Gráfico 13" descr="Pasta">
+            <a:extLst>
+              <a:ext uri="{FF2B5EF4-FFF2-40B4-BE49-F238E27FC236}">
+                <a16:creationId xmlns:a16="http://schemas.microsoft.com/office/drawing/2014/main" id="{23302506-F753-430D-A8AB-084136E21CB9}"/>
+              </a:ext>
+            </a:extLst>
+          </p:cNvPr>
+          <p:cNvPicPr>
+            <a:picLocks noChangeAspect="1"/>
+          </p:cNvPicPr>
+          <p:nvPr/>
+        </p:nvPicPr>
+        <p:blipFill>
+          <a:blip r:embed="rId5">
+            <a:extLst>
+              <a:ext uri="{28A0092B-C50C-407E-A947-70E740481C1C}">
+                <a14:useLocalDpi xmlns:a14="http://schemas.microsoft.com/office/drawing/2010/main" val="0"/>
+              </a:ext>
+              <a:ext uri="{96DAC541-7B7A-43D3-8B79-37D633B846F1}">
+                <asvg:svgBlip xmlns:asvg="http://schemas.microsoft.com/office/drawing/2016/SVG/main" r:embed="rId6"/>
+              </a:ext>
+            </a:extLst>
+          </a:blip>
+          <a:stretch>
+            <a:fillRect/>
+          </a:stretch>
+        </p:blipFill>
+        <p:spPr>
+          <a:xfrm>
+            <a:off x="4357074" y="2765983"/>
+            <a:ext cx="271452" cy="271452"/>
+          </a:xfrm>
+          <a:prstGeom prst="rect">
+            <a:avLst/>
+          </a:prstGeom>
+        </p:spPr>
+      </p:pic>
+      <p:pic>
+        <p:nvPicPr>
+          <p:cNvPr id="19" name="Gráfico 18" descr="Energia">
+            <a:extLst>
+              <a:ext uri="{FF2B5EF4-FFF2-40B4-BE49-F238E27FC236}">
+                <a16:creationId xmlns:a16="http://schemas.microsoft.com/office/drawing/2014/main" id="{67422113-AF1F-474B-BED0-CDDE2784C421}"/>
+              </a:ext>
+            </a:extLst>
+          </p:cNvPr>
+          <p:cNvPicPr>
+            <a:picLocks noChangeAspect="1"/>
+          </p:cNvPicPr>
+          <p:nvPr/>
+        </p:nvPicPr>
+        <p:blipFill>
+          <a:blip r:embed="rId7">
+            <a:extLst>
+              <a:ext uri="{28A0092B-C50C-407E-A947-70E740481C1C}">
+                <a14:useLocalDpi xmlns:a14="http://schemas.microsoft.com/office/drawing/2010/main" val="0"/>
+              </a:ext>
+              <a:ext uri="{96DAC541-7B7A-43D3-8B79-37D633B846F1}">
+                <asvg:svgBlip xmlns:asvg="http://schemas.microsoft.com/office/drawing/2016/SVG/main" r:embed="rId8"/>
+              </a:ext>
+            </a:extLst>
+          </a:blip>
+          <a:stretch>
+            <a:fillRect/>
+          </a:stretch>
+        </p:blipFill>
+        <p:spPr>
+          <a:xfrm>
+            <a:off x="2858148" y="2000085"/>
+            <a:ext cx="271452" cy="271452"/>
+          </a:xfrm>
+          <a:prstGeom prst="rect">
+            <a:avLst/>
+          </a:prstGeom>
+        </p:spPr>
+      </p:pic>
+      <p:pic>
+        <p:nvPicPr>
+          <p:cNvPr id="21" name="Gráfico 20" descr="Início">
+            <a:extLst>
+              <a:ext uri="{FF2B5EF4-FFF2-40B4-BE49-F238E27FC236}">
+                <a16:creationId xmlns:a16="http://schemas.microsoft.com/office/drawing/2014/main" id="{FA7D0D2A-4A4D-40A1-8C59-18833930436A}"/>
+              </a:ext>
+            </a:extLst>
+          </p:cNvPr>
+          <p:cNvPicPr>
+            <a:picLocks noChangeAspect="1"/>
+          </p:cNvPicPr>
+          <p:nvPr/>
+        </p:nvPicPr>
+        <p:blipFill>
+          <a:blip r:embed="rId9">
+            <a:extLst>
+              <a:ext uri="{28A0092B-C50C-407E-A947-70E740481C1C}">
+                <a14:useLocalDpi xmlns:a14="http://schemas.microsoft.com/office/drawing/2010/main" val="0"/>
+              </a:ext>
+              <a:ext uri="{96DAC541-7B7A-43D3-8B79-37D633B846F1}">
+                <asvg:svgBlip xmlns:asvg="http://schemas.microsoft.com/office/drawing/2016/SVG/main" r:embed="rId10"/>
+              </a:ext>
+            </a:extLst>
+          </a:blip>
+          <a:stretch>
+            <a:fillRect/>
+          </a:stretch>
+        </p:blipFill>
+        <p:spPr>
+          <a:xfrm>
+            <a:off x="6591598" y="3423957"/>
+            <a:ext cx="271452" cy="350542"/>
+          </a:xfrm>
+          <a:prstGeom prst="rect">
+            <a:avLst/>
+          </a:prstGeom>
+        </p:spPr>
+      </p:pic>
+      <p:pic>
+        <p:nvPicPr>
+          <p:cNvPr id="23" name="Gráfico 22" descr="Fim">
+            <a:extLst>
+              <a:ext uri="{FF2B5EF4-FFF2-40B4-BE49-F238E27FC236}">
+                <a16:creationId xmlns:a16="http://schemas.microsoft.com/office/drawing/2014/main" id="{24E572CB-21EC-4703-B36E-BF3DD74A161B}"/>
+              </a:ext>
+            </a:extLst>
+          </p:cNvPr>
+          <p:cNvPicPr>
+            <a:picLocks noChangeAspect="1"/>
+          </p:cNvPicPr>
+          <p:nvPr/>
+        </p:nvPicPr>
+        <p:blipFill>
+          <a:blip r:embed="rId11">
+            <a:extLst>
+              <a:ext uri="{28A0092B-C50C-407E-A947-70E740481C1C}">
+                <a14:useLocalDpi xmlns:a14="http://schemas.microsoft.com/office/drawing/2010/main" val="0"/>
+              </a:ext>
+              <a:ext uri="{96DAC541-7B7A-43D3-8B79-37D633B846F1}">
+                <asvg:svgBlip xmlns:asvg="http://schemas.microsoft.com/office/drawing/2016/SVG/main" r:embed="rId12"/>
+              </a:ext>
+            </a:extLst>
+          </a:blip>
+          <a:stretch>
+            <a:fillRect/>
+          </a:stretch>
+        </p:blipFill>
+        <p:spPr>
+          <a:xfrm>
+            <a:off x="6918116" y="3423957"/>
+            <a:ext cx="271452" cy="350542"/>
+          </a:xfrm>
+          <a:prstGeom prst="rect">
+            <a:avLst/>
+          </a:prstGeom>
+        </p:spPr>
+      </p:pic>
+      <p:pic>
+        <p:nvPicPr>
+          <p:cNvPr id="25" name="Gráfico 24" descr="Pausa">
+            <a:extLst>
+              <a:ext uri="{FF2B5EF4-FFF2-40B4-BE49-F238E27FC236}">
+                <a16:creationId xmlns:a16="http://schemas.microsoft.com/office/drawing/2014/main" id="{CC88E04F-739C-483D-A7C5-3BD009C24D84}"/>
+              </a:ext>
+            </a:extLst>
+          </p:cNvPr>
+          <p:cNvPicPr>
+            <a:picLocks noChangeAspect="1"/>
+          </p:cNvPicPr>
+          <p:nvPr/>
+        </p:nvPicPr>
+        <p:blipFill>
+          <a:blip r:embed="rId13">
+            <a:extLst>
+              <a:ext uri="{28A0092B-C50C-407E-A947-70E740481C1C}">
+                <a14:useLocalDpi xmlns:a14="http://schemas.microsoft.com/office/drawing/2010/main" val="0"/>
+              </a:ext>
+              <a:ext uri="{96DAC541-7B7A-43D3-8B79-37D633B846F1}">
+                <asvg:svgBlip xmlns:asvg="http://schemas.microsoft.com/office/drawing/2016/SVG/main" r:embed="rId14"/>
+              </a:ext>
+            </a:extLst>
+          </a:blip>
+          <a:stretch>
+            <a:fillRect/>
+          </a:stretch>
+        </p:blipFill>
+        <p:spPr>
+          <a:xfrm>
+            <a:off x="5127406" y="3472987"/>
+            <a:ext cx="271452" cy="271452"/>
+          </a:xfrm>
+          <a:prstGeom prst="rect">
+            <a:avLst/>
+          </a:prstGeom>
+        </p:spPr>
+      </p:pic>
+      <p:pic>
+        <p:nvPicPr>
+          <p:cNvPr id="27" name="Gráfico 26" descr="Reproduzir">
+            <a:extLst>
+              <a:ext uri="{FF2B5EF4-FFF2-40B4-BE49-F238E27FC236}">
+                <a16:creationId xmlns:a16="http://schemas.microsoft.com/office/drawing/2014/main" id="{8B1432EB-1E22-4F40-A248-5E807DDBDCC0}"/>
+              </a:ext>
+            </a:extLst>
+          </p:cNvPr>
+          <p:cNvPicPr>
+            <a:picLocks noChangeAspect="1"/>
+          </p:cNvPicPr>
+          <p:nvPr/>
+        </p:nvPicPr>
+        <p:blipFill>
+          <a:blip r:embed="rId15">
+            <a:extLst>
+              <a:ext uri="{28A0092B-C50C-407E-A947-70E740481C1C}">
+                <a14:useLocalDpi xmlns:a14="http://schemas.microsoft.com/office/drawing/2010/main" val="0"/>
+              </a:ext>
+              <a:ext uri="{96DAC541-7B7A-43D3-8B79-37D633B846F1}">
+                <asvg:svgBlip xmlns:asvg="http://schemas.microsoft.com/office/drawing/2016/SVG/main" r:embed="rId16"/>
+              </a:ext>
+            </a:extLst>
+          </a:blip>
+          <a:stretch>
+            <a:fillRect/>
+          </a:stretch>
+        </p:blipFill>
+        <p:spPr>
+          <a:xfrm>
+            <a:off x="4779816" y="3472987"/>
+            <a:ext cx="271452" cy="271452"/>
+          </a:xfrm>
+          <a:prstGeom prst="rect">
+            <a:avLst/>
+          </a:prstGeom>
+        </p:spPr>
+      </p:pic>
+      <p:pic>
+        <p:nvPicPr>
+          <p:cNvPr id="51" name="Gráfico 50" descr="Parar">
+            <a:extLst>
+              <a:ext uri="{FF2B5EF4-FFF2-40B4-BE49-F238E27FC236}">
+                <a16:creationId xmlns:a16="http://schemas.microsoft.com/office/drawing/2014/main" id="{7F46ADE5-C8C2-43C3-B27A-867149C84295}"/>
+              </a:ext>
+            </a:extLst>
+          </p:cNvPr>
+          <p:cNvPicPr>
+            <a:picLocks noChangeAspect="1"/>
+          </p:cNvPicPr>
+          <p:nvPr/>
+        </p:nvPicPr>
+        <p:blipFill>
+          <a:blip r:embed="rId17">
+            <a:extLst>
+              <a:ext uri="{28A0092B-C50C-407E-A947-70E740481C1C}">
+                <a14:useLocalDpi xmlns:a14="http://schemas.microsoft.com/office/drawing/2010/main" val="0"/>
+              </a:ext>
+              <a:ext uri="{96DAC541-7B7A-43D3-8B79-37D633B846F1}">
+                <asvg:svgBlip xmlns:asvg="http://schemas.microsoft.com/office/drawing/2016/SVG/main" r:embed="rId18"/>
+              </a:ext>
+            </a:extLst>
+          </a:blip>
+          <a:stretch>
+            <a:fillRect/>
+          </a:stretch>
+        </p:blipFill>
+        <p:spPr>
+          <a:xfrm>
+            <a:off x="5474996" y="3472987"/>
+            <a:ext cx="271452" cy="271452"/>
+          </a:xfrm>
+          <a:prstGeom prst="rect">
+            <a:avLst/>
+          </a:prstGeom>
+        </p:spPr>
+      </p:pic>
+      <p:pic>
+        <p:nvPicPr>
+          <p:cNvPr id="53" name="Gráfico 52" descr="Volume">
+            <a:extLst>
+              <a:ext uri="{FF2B5EF4-FFF2-40B4-BE49-F238E27FC236}">
+                <a16:creationId xmlns:a16="http://schemas.microsoft.com/office/drawing/2014/main" id="{7765F080-8382-4A3A-9C76-62593646F99F}"/>
+              </a:ext>
+            </a:extLst>
+          </p:cNvPr>
+          <p:cNvPicPr>
+            <a:picLocks noChangeAspect="1"/>
+          </p:cNvPicPr>
+          <p:nvPr/>
+        </p:nvPicPr>
+        <p:blipFill>
+          <a:blip r:embed="rId19">
+            <a:extLst>
+              <a:ext uri="{28A0092B-C50C-407E-A947-70E740481C1C}">
+                <a14:useLocalDpi xmlns:a14="http://schemas.microsoft.com/office/drawing/2010/main" val="0"/>
+              </a:ext>
+              <a:ext uri="{96DAC541-7B7A-43D3-8B79-37D633B846F1}">
+                <asvg:svgBlip xmlns:asvg="http://schemas.microsoft.com/office/drawing/2016/SVG/main" r:embed="rId20"/>
+              </a:ext>
+            </a:extLst>
+          </a:blip>
+          <a:stretch>
+            <a:fillRect/>
+          </a:stretch>
+        </p:blipFill>
+        <p:spPr>
+          <a:xfrm>
+            <a:off x="3140640" y="3086489"/>
+            <a:ext cx="271452" cy="271452"/>
+          </a:xfrm>
+          <a:prstGeom prst="rect">
+            <a:avLst/>
+          </a:prstGeom>
+        </p:spPr>
+      </p:pic>
+      <p:pic>
+        <p:nvPicPr>
+          <p:cNvPr id="55" name="Gráfico 54" descr="Atualizar">
+            <a:extLst>
+              <a:ext uri="{FF2B5EF4-FFF2-40B4-BE49-F238E27FC236}">
+                <a16:creationId xmlns:a16="http://schemas.microsoft.com/office/drawing/2014/main" id="{894B387B-B1ED-4ADE-8439-8121D7BC8987}"/>
+              </a:ext>
+            </a:extLst>
+          </p:cNvPr>
+          <p:cNvPicPr>
+            <a:picLocks noChangeAspect="1"/>
+          </p:cNvPicPr>
+          <p:nvPr/>
+        </p:nvPicPr>
+        <p:blipFill>
+          <a:blip r:embed="rId21">
+            <a:extLst>
+              <a:ext uri="{28A0092B-C50C-407E-A947-70E740481C1C}">
+                <a14:useLocalDpi xmlns:a14="http://schemas.microsoft.com/office/drawing/2010/main" val="0"/>
+              </a:ext>
+              <a:ext uri="{96DAC541-7B7A-43D3-8B79-37D633B846F1}">
+                <asvg:svgBlip xmlns:asvg="http://schemas.microsoft.com/office/drawing/2016/SVG/main" r:embed="rId22"/>
+              </a:ext>
+            </a:extLst>
+          </a:blip>
+          <a:stretch>
+            <a:fillRect/>
+          </a:stretch>
+        </p:blipFill>
+        <p:spPr>
+          <a:xfrm>
+            <a:off x="5792669" y="3472987"/>
+            <a:ext cx="271452" cy="271452"/>
+          </a:xfrm>
+          <a:prstGeom prst="rect">
+            <a:avLst/>
+          </a:prstGeom>
+        </p:spPr>
+      </p:pic>
+      <p:pic>
+        <p:nvPicPr>
+          <p:cNvPr id="57" name="Gráfico 56" descr="Fones de ouvido">
+            <a:extLst>
+              <a:ext uri="{FF2B5EF4-FFF2-40B4-BE49-F238E27FC236}">
+                <a16:creationId xmlns:a16="http://schemas.microsoft.com/office/drawing/2014/main" id="{B20DA914-3D69-40BC-AF22-769BFE86C9D9}"/>
+              </a:ext>
+            </a:extLst>
+          </p:cNvPr>
+          <p:cNvPicPr>
+            <a:picLocks noChangeAspect="1"/>
+          </p:cNvPicPr>
+          <p:nvPr/>
+        </p:nvPicPr>
+        <p:blipFill>
+          <a:blip r:embed="rId23">
+            <a:extLst>
+              <a:ext uri="{28A0092B-C50C-407E-A947-70E740481C1C}">
+                <a14:useLocalDpi xmlns:a14="http://schemas.microsoft.com/office/drawing/2010/main" val="0"/>
+              </a:ext>
+              <a:ext uri="{96DAC541-7B7A-43D3-8B79-37D633B846F1}">
+                <asvg:svgBlip xmlns:asvg="http://schemas.microsoft.com/office/drawing/2016/SVG/main" r:embed="rId24"/>
+              </a:ext>
+            </a:extLst>
+          </a:blip>
+          <a:stretch>
+            <a:fillRect/>
+          </a:stretch>
+        </p:blipFill>
+        <p:spPr>
+          <a:xfrm>
+            <a:off x="7561978" y="2221972"/>
+            <a:ext cx="235100" cy="235100"/>
+          </a:xfrm>
+          <a:prstGeom prst="rect">
+            <a:avLst/>
+          </a:prstGeom>
+        </p:spPr>
+      </p:pic>
+      <p:pic>
+        <p:nvPicPr>
+          <p:cNvPr id="60" name="Gráfico 59" descr="Volume">
+            <a:extLst>
+              <a:ext uri="{FF2B5EF4-FFF2-40B4-BE49-F238E27FC236}">
+                <a16:creationId xmlns:a16="http://schemas.microsoft.com/office/drawing/2014/main" id="{FD6BA953-4961-4D6B-A4EE-8CA539A02C5F}"/>
+              </a:ext>
+            </a:extLst>
+          </p:cNvPr>
+          <p:cNvPicPr>
+            <a:picLocks noChangeAspect="1"/>
+          </p:cNvPicPr>
+          <p:nvPr/>
+        </p:nvPicPr>
+        <p:blipFill rotWithShape="1">
+          <a:blip r:embed="rId19">
+            <a:extLst>
+              <a:ext uri="{28A0092B-C50C-407E-A947-70E740481C1C}">
+                <a14:useLocalDpi xmlns:a14="http://schemas.microsoft.com/office/drawing/2010/main" val="0"/>
+              </a:ext>
+              <a:ext uri="{96DAC541-7B7A-43D3-8B79-37D633B846F1}">
+                <asvg:svgBlip xmlns:asvg="http://schemas.microsoft.com/office/drawing/2016/SVG/main" r:embed="rId20"/>
+              </a:ext>
+            </a:extLst>
+          </a:blip>
+          <a:srcRect r="43538"/>
+          <a:stretch/>
+        </p:blipFill>
+        <p:spPr>
+          <a:xfrm>
+            <a:off x="3548328" y="3097504"/>
+            <a:ext cx="153267" cy="271452"/>
+          </a:xfrm>
+          <a:prstGeom prst="rect">
+            <a:avLst/>
+          </a:prstGeom>
+        </p:spPr>
+      </p:pic>
+      <p:cxnSp>
+        <p:nvCxnSpPr>
+          <p:cNvPr id="69" name="Conector reto 68">
+            <a:extLst>
+              <a:ext uri="{FF2B5EF4-FFF2-40B4-BE49-F238E27FC236}">
+                <a16:creationId xmlns:a16="http://schemas.microsoft.com/office/drawing/2014/main" id="{57DF5EEF-3B40-4575-BCBE-EF044AE7DA26}"/>
+              </a:ext>
+            </a:extLst>
+          </p:cNvPr>
+          <p:cNvCxnSpPr>
+            <a:cxnSpLocks/>
+          </p:cNvCxnSpPr>
+          <p:nvPr/>
+        </p:nvCxnSpPr>
+        <p:spPr>
+          <a:xfrm flipH="1">
+            <a:off x="3402284" y="3100417"/>
+            <a:ext cx="127469" cy="237591"/>
+          </a:xfrm>
+          <a:prstGeom prst="line">
+            <a:avLst/>
+          </a:prstGeom>
+          <a:ln w="28575" cap="rnd"/>
+        </p:spPr>
+        <p:style>
+          <a:lnRef idx="1">
+            <a:schemeClr val="dk1"/>
+          </a:lnRef>
+          <a:fillRef idx="0">
+            <a:schemeClr val="dk1"/>
+          </a:fillRef>
+          <a:effectRef idx="0">
+            <a:schemeClr val="dk1"/>
+          </a:effectRef>
+          <a:fontRef idx="minor">
+            <a:schemeClr val="tx1"/>
+          </a:fontRef>
+        </p:style>
+      </p:cxnSp>
+      <p:grpSp>
+        <p:nvGrpSpPr>
+          <p:cNvPr id="1043" name="Agrupar 1042">
+            <a:extLst>
+              <a:ext uri="{FF2B5EF4-FFF2-40B4-BE49-F238E27FC236}">
+                <a16:creationId xmlns:a16="http://schemas.microsoft.com/office/drawing/2014/main" id="{742D50C1-D583-47D6-BFA0-0ABB94AE6C4C}"/>
+              </a:ext>
+            </a:extLst>
+          </p:cNvPr>
+          <p:cNvGrpSpPr/>
+          <p:nvPr/>
+        </p:nvGrpSpPr>
+        <p:grpSpPr>
+          <a:xfrm>
+            <a:off x="6110342" y="3526576"/>
+            <a:ext cx="261610" cy="168659"/>
+            <a:chOff x="7760448" y="4648910"/>
+            <a:chExt cx="392957" cy="179573"/>
+          </a:xfrm>
+        </p:grpSpPr>
+        <p:sp>
+          <p:nvSpPr>
+            <p:cNvPr id="85" name="Forma Livre: Forma 84">
+              <a:extLst>
+                <a:ext uri="{FF2B5EF4-FFF2-40B4-BE49-F238E27FC236}">
+                  <a16:creationId xmlns:a16="http://schemas.microsoft.com/office/drawing/2014/main" id="{FFE6695A-C166-42F9-A292-6466A62272ED}"/>
+                </a:ext>
+              </a:extLst>
+            </p:cNvPr>
+            <p:cNvSpPr/>
+            <p:nvPr/>
+          </p:nvSpPr>
+          <p:spPr>
+            <a:xfrm flipV="1">
+              <a:off x="7761443" y="4675333"/>
+              <a:ext cx="328601" cy="135201"/>
+            </a:xfrm>
+            <a:custGeom>
+              <a:avLst/>
+              <a:gdLst>
+                <a:gd name="connsiteX0" fmla="*/ 0 w 483363"/>
+                <a:gd name="connsiteY0" fmla="*/ 118187 h 120630"/>
+                <a:gd name="connsiteX1" fmla="*/ 233362 w 483363"/>
+                <a:gd name="connsiteY1" fmla="*/ 106280 h 120630"/>
+                <a:gd name="connsiteX2" fmla="*/ 447675 w 483363"/>
+                <a:gd name="connsiteY2" fmla="*/ 8649 h 120630"/>
+                <a:gd name="connsiteX3" fmla="*/ 481012 w 483363"/>
+                <a:gd name="connsiteY3" fmla="*/ 11030 h 120630"/>
+                <a:gd name="connsiteX0" fmla="*/ 0 w 484793"/>
+                <a:gd name="connsiteY0" fmla="*/ 118532 h 122998"/>
+                <a:gd name="connsiteX1" fmla="*/ 194717 w 484793"/>
+                <a:gd name="connsiteY1" fmla="*/ 111387 h 122998"/>
+                <a:gd name="connsiteX2" fmla="*/ 447675 w 484793"/>
+                <a:gd name="connsiteY2" fmla="*/ 8994 h 122998"/>
+                <a:gd name="connsiteX3" fmla="*/ 481012 w 484793"/>
+                <a:gd name="connsiteY3" fmla="*/ 11375 h 122998"/>
+                <a:gd name="connsiteX0" fmla="*/ 0 w 484792"/>
+                <a:gd name="connsiteY0" fmla="*/ 118532 h 118532"/>
+                <a:gd name="connsiteX1" fmla="*/ 194717 w 484792"/>
+                <a:gd name="connsiteY1" fmla="*/ 111387 h 118532"/>
+                <a:gd name="connsiteX2" fmla="*/ 447675 w 484792"/>
+                <a:gd name="connsiteY2" fmla="*/ 8994 h 118532"/>
+                <a:gd name="connsiteX3" fmla="*/ 481012 w 484792"/>
+                <a:gd name="connsiteY3" fmla="*/ 11375 h 118532"/>
+                <a:gd name="connsiteX0" fmla="*/ 0 w 484792"/>
+                <a:gd name="connsiteY0" fmla="*/ 118532 h 118532"/>
+                <a:gd name="connsiteX1" fmla="*/ 194717 w 484792"/>
+                <a:gd name="connsiteY1" fmla="*/ 111387 h 118532"/>
+                <a:gd name="connsiteX2" fmla="*/ 447675 w 484792"/>
+                <a:gd name="connsiteY2" fmla="*/ 8994 h 118532"/>
+                <a:gd name="connsiteX3" fmla="*/ 481012 w 484792"/>
+                <a:gd name="connsiteY3" fmla="*/ 11375 h 118532"/>
+                <a:gd name="connsiteX0" fmla="*/ 0 w 484792"/>
+                <a:gd name="connsiteY0" fmla="*/ 135201 h 135201"/>
+                <a:gd name="connsiteX1" fmla="*/ 194717 w 484792"/>
+                <a:gd name="connsiteY1" fmla="*/ 111387 h 135201"/>
+                <a:gd name="connsiteX2" fmla="*/ 447675 w 484792"/>
+                <a:gd name="connsiteY2" fmla="*/ 8994 h 135201"/>
+                <a:gd name="connsiteX3" fmla="*/ 481012 w 484792"/>
+                <a:gd name="connsiteY3" fmla="*/ 11375 h 135201"/>
+              </a:gdLst>
+              <a:ahLst/>
+              <a:cxnLst>
+                <a:cxn ang="0">
+                  <a:pos x="connsiteX0" y="connsiteY0"/>
+                </a:cxn>
+                <a:cxn ang="0">
+                  <a:pos x="connsiteX1" y="connsiteY1"/>
+                </a:cxn>
+                <a:cxn ang="0">
+                  <a:pos x="connsiteX2" y="connsiteY2"/>
+                </a:cxn>
+                <a:cxn ang="0">
+                  <a:pos x="connsiteX3" y="connsiteY3"/>
+                </a:cxn>
+              </a:cxnLst>
+              <a:rect l="l" t="t" r="r" b="b"/>
+              <a:pathLst>
+                <a:path w="484792" h="135201">
+                  <a:moveTo>
+                    <a:pt x="0" y="135201"/>
+                  </a:moveTo>
+                  <a:cubicBezTo>
+                    <a:pt x="64906" y="132819"/>
+                    <a:pt x="120105" y="132422"/>
+                    <a:pt x="194717" y="111387"/>
+                  </a:cubicBezTo>
+                  <a:cubicBezTo>
+                    <a:pt x="269330" y="90353"/>
+                    <a:pt x="399959" y="25663"/>
+                    <a:pt x="447675" y="8994"/>
+                  </a:cubicBezTo>
+                  <a:cubicBezTo>
+                    <a:pt x="495391" y="-7675"/>
+                    <a:pt x="484981" y="2247"/>
+                    <a:pt x="481012" y="11375"/>
+                  </a:cubicBezTo>
+                </a:path>
+              </a:pathLst>
+            </a:custGeom>
+            <a:noFill/>
+            <a:ln w="28575">
+              <a:solidFill>
+                <a:schemeClr val="tx1"/>
+              </a:solidFill>
+            </a:ln>
+          </p:spPr>
+          <p:style>
+            <a:lnRef idx="2">
+              <a:schemeClr val="accent1">
+                <a:shade val="50000"/>
+              </a:schemeClr>
+            </a:lnRef>
+            <a:fillRef idx="1">
+              <a:schemeClr val="accent1"/>
+            </a:fillRef>
+            <a:effectRef idx="0">
+              <a:schemeClr val="accent1"/>
+            </a:effectRef>
+            <a:fontRef idx="minor">
+              <a:schemeClr val="lt1"/>
+            </a:fontRef>
+          </p:style>
+          <p:txBody>
+            <a:bodyPr rtlCol="0" anchor="ctr"/>
+            <a:lstStyle/>
+            <a:p>
+              <a:pPr algn="ctr"/>
+              <a:endParaRPr lang="pt-BR"/>
+            </a:p>
+          </p:txBody>
+        </p:sp>
+        <p:sp>
+          <p:nvSpPr>
+            <p:cNvPr id="1042" name="Triângulo isósceles 1041">
+              <a:extLst>
+                <a:ext uri="{FF2B5EF4-FFF2-40B4-BE49-F238E27FC236}">
+                  <a16:creationId xmlns:a16="http://schemas.microsoft.com/office/drawing/2014/main" id="{4FE519FF-ACED-40DC-B213-1F8D2B28DC69}"/>
+                </a:ext>
+              </a:extLst>
+            </p:cNvPr>
+            <p:cNvSpPr/>
+            <p:nvPr/>
+          </p:nvSpPr>
+          <p:spPr>
+            <a:xfrm rot="5400000">
+              <a:off x="8105989" y="4648701"/>
+              <a:ext cx="47207" cy="47625"/>
+            </a:xfrm>
+            <a:prstGeom prst="triangle">
+              <a:avLst/>
+            </a:prstGeom>
+            <a:solidFill>
+              <a:schemeClr val="tx1"/>
+            </a:solidFill>
+            <a:ln w="28575">
+              <a:solidFill>
+                <a:schemeClr val="tx1"/>
+              </a:solidFill>
+            </a:ln>
+          </p:spPr>
+          <p:style>
+            <a:lnRef idx="2">
+              <a:schemeClr val="accent1">
+                <a:shade val="50000"/>
+              </a:schemeClr>
+            </a:lnRef>
+            <a:fillRef idx="1">
+              <a:schemeClr val="accent1"/>
+            </a:fillRef>
+            <a:effectRef idx="0">
+              <a:schemeClr val="accent1"/>
+            </a:effectRef>
+            <a:fontRef idx="minor">
+              <a:schemeClr val="lt1"/>
+            </a:fontRef>
+          </p:style>
+          <p:txBody>
+            <a:bodyPr rtlCol="0" anchor="ctr"/>
+            <a:lstStyle/>
+            <a:p>
+              <a:pPr algn="ctr"/>
+              <a:endParaRPr lang="pt-BR"/>
+            </a:p>
+          </p:txBody>
+        </p:sp>
+        <p:sp>
+          <p:nvSpPr>
+            <p:cNvPr id="87" name="Triângulo isósceles 86">
+              <a:extLst>
+                <a:ext uri="{FF2B5EF4-FFF2-40B4-BE49-F238E27FC236}">
+                  <a16:creationId xmlns:a16="http://schemas.microsoft.com/office/drawing/2014/main" id="{B32B7FBC-9A8C-48D3-B00E-91E004CC56ED}"/>
+                </a:ext>
+              </a:extLst>
+            </p:cNvPr>
+            <p:cNvSpPr/>
+            <p:nvPr/>
+          </p:nvSpPr>
+          <p:spPr>
+            <a:xfrm rot="5400000">
+              <a:off x="8105959" y="4781067"/>
+              <a:ext cx="47207" cy="47625"/>
+            </a:xfrm>
+            <a:prstGeom prst="triangle">
+              <a:avLst/>
+            </a:prstGeom>
+            <a:solidFill>
+              <a:schemeClr val="tx1"/>
+            </a:solidFill>
+            <a:ln w="28575">
+              <a:solidFill>
+                <a:schemeClr val="tx1"/>
+              </a:solidFill>
+            </a:ln>
+          </p:spPr>
+          <p:style>
+            <a:lnRef idx="2">
+              <a:schemeClr val="accent1">
+                <a:shade val="50000"/>
+              </a:schemeClr>
+            </a:lnRef>
+            <a:fillRef idx="1">
+              <a:schemeClr val="accent1"/>
+            </a:fillRef>
+            <a:effectRef idx="0">
+              <a:schemeClr val="accent1"/>
+            </a:effectRef>
+            <a:fontRef idx="minor">
+              <a:schemeClr val="lt1"/>
+            </a:fontRef>
+          </p:style>
+          <p:txBody>
+            <a:bodyPr rtlCol="0" anchor="ctr"/>
+            <a:lstStyle/>
+            <a:p>
+              <a:pPr algn="ctr"/>
+              <a:endParaRPr lang="pt-BR"/>
+            </a:p>
+          </p:txBody>
+        </p:sp>
+        <p:sp>
+          <p:nvSpPr>
+            <p:cNvPr id="89" name="Forma Livre: Forma 88">
+              <a:extLst>
+                <a:ext uri="{FF2B5EF4-FFF2-40B4-BE49-F238E27FC236}">
+                  <a16:creationId xmlns:a16="http://schemas.microsoft.com/office/drawing/2014/main" id="{6D283122-F0D2-4EAA-8884-14B4831B6B22}"/>
+                </a:ext>
+              </a:extLst>
+            </p:cNvPr>
+            <p:cNvSpPr/>
+            <p:nvPr/>
+          </p:nvSpPr>
+          <p:spPr>
+            <a:xfrm>
+              <a:off x="7760448" y="4671095"/>
+              <a:ext cx="328601" cy="135201"/>
+            </a:xfrm>
+            <a:custGeom>
+              <a:avLst/>
+              <a:gdLst>
+                <a:gd name="connsiteX0" fmla="*/ 0 w 483363"/>
+                <a:gd name="connsiteY0" fmla="*/ 118187 h 120630"/>
+                <a:gd name="connsiteX1" fmla="*/ 233362 w 483363"/>
+                <a:gd name="connsiteY1" fmla="*/ 106280 h 120630"/>
+                <a:gd name="connsiteX2" fmla="*/ 447675 w 483363"/>
+                <a:gd name="connsiteY2" fmla="*/ 8649 h 120630"/>
+                <a:gd name="connsiteX3" fmla="*/ 481012 w 483363"/>
+                <a:gd name="connsiteY3" fmla="*/ 11030 h 120630"/>
+                <a:gd name="connsiteX0" fmla="*/ 0 w 484793"/>
+                <a:gd name="connsiteY0" fmla="*/ 118532 h 122998"/>
+                <a:gd name="connsiteX1" fmla="*/ 194717 w 484793"/>
+                <a:gd name="connsiteY1" fmla="*/ 111387 h 122998"/>
+                <a:gd name="connsiteX2" fmla="*/ 447675 w 484793"/>
+                <a:gd name="connsiteY2" fmla="*/ 8994 h 122998"/>
+                <a:gd name="connsiteX3" fmla="*/ 481012 w 484793"/>
+                <a:gd name="connsiteY3" fmla="*/ 11375 h 122998"/>
+                <a:gd name="connsiteX0" fmla="*/ 0 w 484792"/>
+                <a:gd name="connsiteY0" fmla="*/ 118532 h 118532"/>
+                <a:gd name="connsiteX1" fmla="*/ 194717 w 484792"/>
+                <a:gd name="connsiteY1" fmla="*/ 111387 h 118532"/>
+                <a:gd name="connsiteX2" fmla="*/ 447675 w 484792"/>
+                <a:gd name="connsiteY2" fmla="*/ 8994 h 118532"/>
+                <a:gd name="connsiteX3" fmla="*/ 481012 w 484792"/>
+                <a:gd name="connsiteY3" fmla="*/ 11375 h 118532"/>
+                <a:gd name="connsiteX0" fmla="*/ 0 w 484792"/>
+                <a:gd name="connsiteY0" fmla="*/ 118532 h 118532"/>
+                <a:gd name="connsiteX1" fmla="*/ 194717 w 484792"/>
+                <a:gd name="connsiteY1" fmla="*/ 111387 h 118532"/>
+                <a:gd name="connsiteX2" fmla="*/ 447675 w 484792"/>
+                <a:gd name="connsiteY2" fmla="*/ 8994 h 118532"/>
+                <a:gd name="connsiteX3" fmla="*/ 481012 w 484792"/>
+                <a:gd name="connsiteY3" fmla="*/ 11375 h 118532"/>
+                <a:gd name="connsiteX0" fmla="*/ 0 w 484792"/>
+                <a:gd name="connsiteY0" fmla="*/ 135201 h 135201"/>
+                <a:gd name="connsiteX1" fmla="*/ 194717 w 484792"/>
+                <a:gd name="connsiteY1" fmla="*/ 111387 h 135201"/>
+                <a:gd name="connsiteX2" fmla="*/ 447675 w 484792"/>
+                <a:gd name="connsiteY2" fmla="*/ 8994 h 135201"/>
+                <a:gd name="connsiteX3" fmla="*/ 481012 w 484792"/>
+                <a:gd name="connsiteY3" fmla="*/ 11375 h 135201"/>
+              </a:gdLst>
+              <a:ahLst/>
+              <a:cxnLst>
+                <a:cxn ang="0">
+                  <a:pos x="connsiteX0" y="connsiteY0"/>
+                </a:cxn>
+                <a:cxn ang="0">
+                  <a:pos x="connsiteX1" y="connsiteY1"/>
+                </a:cxn>
+                <a:cxn ang="0">
+                  <a:pos x="connsiteX2" y="connsiteY2"/>
+                </a:cxn>
+                <a:cxn ang="0">
+                  <a:pos x="connsiteX3" y="connsiteY3"/>
+                </a:cxn>
+              </a:cxnLst>
+              <a:rect l="l" t="t" r="r" b="b"/>
+              <a:pathLst>
+                <a:path w="484792" h="135201">
+                  <a:moveTo>
+                    <a:pt x="0" y="135201"/>
+                  </a:moveTo>
+                  <a:cubicBezTo>
+                    <a:pt x="64906" y="132819"/>
+                    <a:pt x="120105" y="132422"/>
+                    <a:pt x="194717" y="111387"/>
+                  </a:cubicBezTo>
+                  <a:cubicBezTo>
+                    <a:pt x="269330" y="90353"/>
+                    <a:pt x="399959" y="25663"/>
+                    <a:pt x="447675" y="8994"/>
+                  </a:cubicBezTo>
+                  <a:cubicBezTo>
+                    <a:pt x="495391" y="-7675"/>
+                    <a:pt x="484981" y="2247"/>
+                    <a:pt x="481012" y="11375"/>
+                  </a:cubicBezTo>
+                </a:path>
+              </a:pathLst>
+            </a:custGeom>
+            <a:noFill/>
+            <a:ln w="28575">
+              <a:solidFill>
+                <a:schemeClr val="tx1"/>
+              </a:solidFill>
+            </a:ln>
+          </p:spPr>
+          <p:style>
+            <a:lnRef idx="2">
+              <a:schemeClr val="accent1">
+                <a:shade val="50000"/>
+              </a:schemeClr>
+            </a:lnRef>
+            <a:fillRef idx="1">
+              <a:schemeClr val="accent1"/>
+            </a:fillRef>
+            <a:effectRef idx="0">
+              <a:schemeClr val="accent1"/>
+            </a:effectRef>
+            <a:fontRef idx="minor">
+              <a:schemeClr val="lt1"/>
+            </a:fontRef>
+          </p:style>
+          <p:txBody>
+            <a:bodyPr rtlCol="0" anchor="ctr"/>
+            <a:lstStyle/>
+            <a:p>
+              <a:pPr algn="ctr"/>
+              <a:endParaRPr lang="pt-BR"/>
+            </a:p>
+          </p:txBody>
+        </p:sp>
+      </p:grpSp>
+    </p:spTree>
+    <p:extLst>
+      <p:ext uri="{BB962C8B-B14F-4D97-AF65-F5344CB8AC3E}">
+        <p14:creationId xmlns:p14="http://schemas.microsoft.com/office/powerpoint/2010/main" val="1392186942"/>
       </p:ext>
     </p:extLst>
   </p:cSld>
